--- a/pt/ProgrammingLessons/SoundBlocks.pptx
+++ b/pt/ProgrammingLessons/SoundBlocks.pptx
@@ -135,6 +135,190 @@
 </p:presentation>
 </file>
 
+<file path=ppt/revisionInfo.xml><?xml version="1.0" encoding="utf-8"?>
+<p1510:revInfo xmlns:a="http://schemas.openxmlformats.org/drawingml/2006/main" xmlns:r="http://schemas.openxmlformats.org/officeDocument/2006/relationships" xmlns:p1510="http://schemas.microsoft.com/office/powerpoint/2015/10/main">
+  <p1510:revLst>
+    <p1510:client id="{79856561-739A-4CDB-A06F-7F41287A8056}" v="5" dt="2020-07-13T04:31:56.101"/>
+  </p1510:revLst>
+</p1510:revInfo>
+</file>
+
+<file path=ppt/changesInfos/changesInfo1.xml><?xml version="1.0" encoding="utf-8"?>
+<pc:chgInfo xmlns:a="http://schemas.openxmlformats.org/drawingml/2006/main" xmlns:r="http://schemas.openxmlformats.org/officeDocument/2006/relationships" xmlns:ac="http://schemas.microsoft.com/office/drawing/2013/main/command" xmlns:pc="http://schemas.microsoft.com/office/powerpoint/2013/main/command">
+  <pc:docChgLst>
+    <pc:chgData name="Anderson Harayashiki Moreira" userId="07ffc975ff648281" providerId="LiveId" clId="{79856561-739A-4CDB-A06F-7F41287A8056}"/>
+    <pc:docChg chg="custSel modSld">
+      <pc:chgData name="Anderson Harayashiki Moreira" userId="07ffc975ff648281" providerId="LiveId" clId="{79856561-739A-4CDB-A06F-7F41287A8056}" dt="2020-07-13T04:31:56.101" v="122"/>
+      <pc:docMkLst>
+        <pc:docMk/>
+      </pc:docMkLst>
+      <pc:sldChg chg="addSp delSp">
+        <pc:chgData name="Anderson Harayashiki Moreira" userId="07ffc975ff648281" providerId="LiveId" clId="{79856561-739A-4CDB-A06F-7F41287A8056}" dt="2020-07-13T04:31:56.101" v="122"/>
+        <pc:sldMkLst>
+          <pc:docMk/>
+          <pc:sldMk cId="675085363" sldId="257"/>
+        </pc:sldMkLst>
+        <pc:spChg chg="del">
+          <ac:chgData name="Anderson Harayashiki Moreira" userId="07ffc975ff648281" providerId="LiveId" clId="{79856561-739A-4CDB-A06F-7F41287A8056}" dt="2020-07-13T04:31:55.499" v="121" actId="478"/>
+          <ac:spMkLst>
+            <pc:docMk/>
+            <pc:sldMk cId="675085363" sldId="257"/>
+            <ac:spMk id="4" creationId="{00000000-0000-0000-0000-000000000000}"/>
+          </ac:spMkLst>
+        </pc:spChg>
+        <pc:spChg chg="add">
+          <ac:chgData name="Anderson Harayashiki Moreira" userId="07ffc975ff648281" providerId="LiveId" clId="{79856561-739A-4CDB-A06F-7F41287A8056}" dt="2020-07-13T04:31:56.101" v="122"/>
+          <ac:spMkLst>
+            <pc:docMk/>
+            <pc:sldMk cId="675085363" sldId="257"/>
+            <ac:spMk id="6" creationId="{D11F7CDD-B35A-428E-BD15-6E10A880C4DC}"/>
+          </ac:spMkLst>
+        </pc:spChg>
+      </pc:sldChg>
+      <pc:sldChg chg="addSp delSp modSp">
+        <pc:chgData name="Anderson Harayashiki Moreira" userId="07ffc975ff648281" providerId="LiveId" clId="{79856561-739A-4CDB-A06F-7F41287A8056}" dt="2020-07-13T04:31:53.499" v="120"/>
+        <pc:sldMkLst>
+          <pc:docMk/>
+          <pc:sldMk cId="4275874096" sldId="279"/>
+        </pc:sldMkLst>
+        <pc:spChg chg="mod">
+          <ac:chgData name="Anderson Harayashiki Moreira" userId="07ffc975ff648281" providerId="LiveId" clId="{79856561-739A-4CDB-A06F-7F41287A8056}" dt="2020-07-13T04:28:44.169" v="56" actId="20577"/>
+          <ac:spMkLst>
+            <pc:docMk/>
+            <pc:sldMk cId="4275874096" sldId="279"/>
+            <ac:spMk id="3" creationId="{A000E76D-FA7D-4D1C-A737-F1BF853AFCA2}"/>
+          </ac:spMkLst>
+        </pc:spChg>
+        <pc:spChg chg="del">
+          <ac:chgData name="Anderson Harayashiki Moreira" userId="07ffc975ff648281" providerId="LiveId" clId="{79856561-739A-4CDB-A06F-7F41287A8056}" dt="2020-07-13T04:31:52.885" v="119" actId="478"/>
+          <ac:spMkLst>
+            <pc:docMk/>
+            <pc:sldMk cId="4275874096" sldId="279"/>
+            <ac:spMk id="4" creationId="{BF114D5C-5685-474C-87B7-5248A0FCF320}"/>
+          </ac:spMkLst>
+        </pc:spChg>
+        <pc:spChg chg="add">
+          <ac:chgData name="Anderson Harayashiki Moreira" userId="07ffc975ff648281" providerId="LiveId" clId="{79856561-739A-4CDB-A06F-7F41287A8056}" dt="2020-07-13T04:31:53.499" v="120"/>
+          <ac:spMkLst>
+            <pc:docMk/>
+            <pc:sldMk cId="4275874096" sldId="279"/>
+            <ac:spMk id="8" creationId="{10B9F4BC-2402-4DBB-BAAD-0FC9A45BB78C}"/>
+          </ac:spMkLst>
+        </pc:spChg>
+      </pc:sldChg>
+      <pc:sldChg chg="addSp delSp modSp">
+        <pc:chgData name="Anderson Harayashiki Moreira" userId="07ffc975ff648281" providerId="LiveId" clId="{79856561-739A-4CDB-A06F-7F41287A8056}" dt="2020-07-13T04:31:50.821" v="118"/>
+        <pc:sldMkLst>
+          <pc:docMk/>
+          <pc:sldMk cId="778011382" sldId="280"/>
+        </pc:sldMkLst>
+        <pc:spChg chg="mod">
+          <ac:chgData name="Anderson Harayashiki Moreira" userId="07ffc975ff648281" providerId="LiveId" clId="{79856561-739A-4CDB-A06F-7F41287A8056}" dt="2020-07-13T04:29:03.600" v="57" actId="123"/>
+          <ac:spMkLst>
+            <pc:docMk/>
+            <pc:sldMk cId="778011382" sldId="280"/>
+            <ac:spMk id="3" creationId="{577D35D6-9E0C-4DA2-A55B-BC6E870F89D1}"/>
+          </ac:spMkLst>
+        </pc:spChg>
+        <pc:spChg chg="del">
+          <ac:chgData name="Anderson Harayashiki Moreira" userId="07ffc975ff648281" providerId="LiveId" clId="{79856561-739A-4CDB-A06F-7F41287A8056}" dt="2020-07-13T04:31:50.160" v="117" actId="478"/>
+          <ac:spMkLst>
+            <pc:docMk/>
+            <pc:sldMk cId="778011382" sldId="280"/>
+            <ac:spMk id="4" creationId="{8838CF86-116D-4FA1-ABF2-986EC84EFDC1}"/>
+          </ac:spMkLst>
+        </pc:spChg>
+        <pc:spChg chg="add">
+          <ac:chgData name="Anderson Harayashiki Moreira" userId="07ffc975ff648281" providerId="LiveId" clId="{79856561-739A-4CDB-A06F-7F41287A8056}" dt="2020-07-13T04:31:50.821" v="118"/>
+          <ac:spMkLst>
+            <pc:docMk/>
+            <pc:sldMk cId="778011382" sldId="280"/>
+            <ac:spMk id="14" creationId="{1FBFAAF6-AB01-45F7-BE03-8C4F527057E0}"/>
+          </ac:spMkLst>
+        </pc:spChg>
+      </pc:sldChg>
+      <pc:sldChg chg="addSp delSp">
+        <pc:chgData name="Anderson Harayashiki Moreira" userId="07ffc975ff648281" providerId="LiveId" clId="{79856561-739A-4CDB-A06F-7F41287A8056}" dt="2020-07-13T04:31:48.118" v="116"/>
+        <pc:sldMkLst>
+          <pc:docMk/>
+          <pc:sldMk cId="1652338959" sldId="281"/>
+        </pc:sldMkLst>
+        <pc:spChg chg="del">
+          <ac:chgData name="Anderson Harayashiki Moreira" userId="07ffc975ff648281" providerId="LiveId" clId="{79856561-739A-4CDB-A06F-7F41287A8056}" dt="2020-07-13T04:31:47.428" v="115" actId="478"/>
+          <ac:spMkLst>
+            <pc:docMk/>
+            <pc:sldMk cId="1652338959" sldId="281"/>
+            <ac:spMk id="4" creationId="{A07C6A62-9AE4-41C8-8054-EA54B5F409AF}"/>
+          </ac:spMkLst>
+        </pc:spChg>
+        <pc:spChg chg="add">
+          <ac:chgData name="Anderson Harayashiki Moreira" userId="07ffc975ff648281" providerId="LiveId" clId="{79856561-739A-4CDB-A06F-7F41287A8056}" dt="2020-07-13T04:31:48.118" v="116"/>
+          <ac:spMkLst>
+            <pc:docMk/>
+            <pc:sldMk cId="1652338959" sldId="281"/>
+            <ac:spMk id="11" creationId="{FDF2DC95-B1CC-4647-BE8B-BBC03C3B524E}"/>
+          </ac:spMkLst>
+        </pc:spChg>
+      </pc:sldChg>
+      <pc:sldChg chg="addSp delSp modSp">
+        <pc:chgData name="Anderson Harayashiki Moreira" userId="07ffc975ff648281" providerId="LiveId" clId="{79856561-739A-4CDB-A06F-7F41287A8056}" dt="2020-07-13T04:31:42.998" v="114"/>
+        <pc:sldMkLst>
+          <pc:docMk/>
+          <pc:sldMk cId="764135245" sldId="282"/>
+        </pc:sldMkLst>
+        <pc:spChg chg="del">
+          <ac:chgData name="Anderson Harayashiki Moreira" userId="07ffc975ff648281" providerId="LiveId" clId="{79856561-739A-4CDB-A06F-7F41287A8056}" dt="2020-07-13T04:31:42.248" v="113" actId="478"/>
+          <ac:spMkLst>
+            <pc:docMk/>
+            <pc:sldMk cId="764135245" sldId="282"/>
+            <ac:spMk id="4" creationId="{A4F8B888-A70B-4EA2-96AF-60F41851250C}"/>
+          </ac:spMkLst>
+        </pc:spChg>
+        <pc:spChg chg="mod">
+          <ac:chgData name="Anderson Harayashiki Moreira" userId="07ffc975ff648281" providerId="LiveId" clId="{79856561-739A-4CDB-A06F-7F41287A8056}" dt="2020-07-13T04:30:46.567" v="60" actId="20577"/>
+          <ac:spMkLst>
+            <pc:docMk/>
+            <pc:sldMk cId="764135245" sldId="282"/>
+            <ac:spMk id="9" creationId="{15AFA5CE-4D7B-4D54-B84E-9AFF693B159D}"/>
+          </ac:spMkLst>
+        </pc:spChg>
+        <pc:spChg chg="add">
+          <ac:chgData name="Anderson Harayashiki Moreira" userId="07ffc975ff648281" providerId="LiveId" clId="{79856561-739A-4CDB-A06F-7F41287A8056}" dt="2020-07-13T04:31:42.998" v="114"/>
+          <ac:spMkLst>
+            <pc:docMk/>
+            <pc:sldMk cId="764135245" sldId="282"/>
+            <ac:spMk id="12" creationId="{D5669182-0D0F-42D7-9704-B13FDCA7300F}"/>
+          </ac:spMkLst>
+        </pc:spChg>
+      </pc:sldChg>
+      <pc:sldChg chg="modSp">
+        <pc:chgData name="Anderson Harayashiki Moreira" userId="07ffc975ff648281" providerId="LiveId" clId="{79856561-739A-4CDB-A06F-7F41287A8056}" dt="2020-07-13T04:31:35.200" v="112" actId="20577"/>
+        <pc:sldMkLst>
+          <pc:docMk/>
+          <pc:sldMk cId="3392129947" sldId="288"/>
+        </pc:sldMkLst>
+        <pc:spChg chg="mod">
+          <ac:chgData name="Anderson Harayashiki Moreira" userId="07ffc975ff648281" providerId="LiveId" clId="{79856561-739A-4CDB-A06F-7F41287A8056}" dt="2020-07-13T04:31:25.177" v="108" actId="20577"/>
+          <ac:spMkLst>
+            <pc:docMk/>
+            <pc:sldMk cId="3392129947" sldId="288"/>
+            <ac:spMk id="3" creationId="{00000000-0000-0000-0000-000000000000}"/>
+          </ac:spMkLst>
+        </pc:spChg>
+        <pc:spChg chg="mod">
+          <ac:chgData name="Anderson Harayashiki Moreira" userId="07ffc975ff648281" providerId="LiveId" clId="{79856561-739A-4CDB-A06F-7F41287A8056}" dt="2020-07-13T04:31:35.200" v="112" actId="20577"/>
+          <ac:spMkLst>
+            <pc:docMk/>
+            <pc:sldMk cId="3392129947" sldId="288"/>
+            <ac:spMk id="4" creationId="{00000000-0000-0000-0000-000000000000}"/>
+          </ac:spMkLst>
+        </pc:spChg>
+      </pc:sldChg>
+    </pc:docChg>
+  </pc:docChgLst>
+</pc:chgInfo>
+</file>
+
 <file path=ppt/handoutMasters/handoutMaster1.xml><?xml version="1.0" encoding="utf-8"?>
 <p:handoutMaster xmlns:a="http://schemas.openxmlformats.org/drawingml/2006/main" xmlns:r="http://schemas.openxmlformats.org/officeDocument/2006/relationships" xmlns:p="http://schemas.openxmlformats.org/presentationml/2006/main">
   <p:cSld>
@@ -217,7 +401,7 @@
           <a:p>
             <a:fld id="{58040048-1E4D-CD41-AC49-0750EB72586B}" type="datetimeFigureOut">
               <a:rPr lang="en-US" smtClean="0"/>
-              <a:t>6/10/2020</a:t>
+              <a:t>7/13/2020</a:t>
             </a:fld>
             <a:endParaRPr lang="en-US"/>
           </a:p>
@@ -383,7 +567,7 @@
           <a:p>
             <a:fld id="{2B8484CF-5098-F24E-8881-583515D5C406}" type="datetimeFigureOut">
               <a:rPr lang="en-US" smtClean="0"/>
-              <a:t>6/10/2020</a:t>
+              <a:t>7/13/2020</a:t>
             </a:fld>
             <a:endParaRPr lang="en-US"/>
           </a:p>
@@ -5632,28 +5816,6 @@
       </p:sp>
       <p:sp>
         <p:nvSpPr>
-          <p:cNvPr id="4" name="Footer Placeholder 3"/>
-          <p:cNvSpPr>
-            <a:spLocks noGrp="1"/>
-          </p:cNvSpPr>
-          <p:nvPr>
-            <p:ph type="ftr" sz="quarter" idx="11"/>
-          </p:nvPr>
-        </p:nvSpPr>
-        <p:spPr/>
-        <p:txBody>
-          <a:bodyPr/>
-          <a:lstStyle/>
-          <a:p>
-            <a:r>
-              <a:rPr lang="en-US" dirty="0"/>
-              <a:t>Copyright © 2020 SPIKE Prime Lessons (primelessons.org) CC-BY-NC-SA.  (Last edit: 1/9/2020)</a:t>
-            </a:r>
-          </a:p>
-        </p:txBody>
-      </p:sp>
-      <p:sp>
-        <p:nvSpPr>
           <p:cNvPr id="7" name="Slide Number Placeholder 6">
             <a:extLst>
               <a:ext uri="{FF2B5EF4-FFF2-40B4-BE49-F238E27FC236}">
@@ -5678,6 +5840,39 @@
               <a:t>2</a:t>
             </a:fld>
             <a:endParaRPr lang="en-US" dirty="0"/>
+          </a:p>
+        </p:txBody>
+      </p:sp>
+      <p:sp>
+        <p:nvSpPr>
+          <p:cNvPr id="6" name="Footer Placeholder 3">
+            <a:extLst>
+              <a:ext uri="{FF2B5EF4-FFF2-40B4-BE49-F238E27FC236}">
+                <a16:creationId xmlns:a16="http://schemas.microsoft.com/office/drawing/2014/main" id="{D11F7CDD-B35A-428E-BD15-6E10A880C4DC}"/>
+              </a:ext>
+            </a:extLst>
+          </p:cNvPr>
+          <p:cNvSpPr>
+            <a:spLocks noGrp="1"/>
+          </p:cNvSpPr>
+          <p:nvPr>
+            <p:ph type="ftr" sz="quarter" idx="11"/>
+          </p:nvPr>
+        </p:nvSpPr>
+        <p:spPr>
+          <a:xfrm>
+            <a:off x="88409" y="6330493"/>
+            <a:ext cx="4870585" cy="365125"/>
+          </a:xfrm>
+        </p:spPr>
+        <p:txBody>
+          <a:bodyPr/>
+          <a:lstStyle/>
+          <a:p>
+            <a:r>
+              <a:rPr lang="en-US" dirty="0"/>
+              <a:t>Copyright © 2020 SPIKE Prime Lessons (primelessons.org) CC-BY-NC-SA.  (Last edit: 07/13/2020)</a:t>
+            </a:r>
           </a:p>
         </p:txBody>
       </p:sp>
@@ -5769,61 +5964,38 @@
           </a:bodyPr>
           <a:lstStyle/>
           <a:p>
+            <a:pPr algn="just"/>
             <a:r>
               <a:rPr lang="pt-BR" dirty="0"/>
               <a:t>Blocos de som podem ser achados em duas paletas do programa.</a:t>
             </a:r>
           </a:p>
           <a:p>
+            <a:pPr algn="just"/>
             <a:r>
               <a:rPr lang="pt-BR" dirty="0"/>
-              <a:t>Os blocos de música devem ser adicionados ao programa usando extensões.</a:t>
-            </a:r>
-          </a:p>
-          <a:p>
+              <a:t>Os blocos de música devem ser adicionados ao programa usando Extensões.</a:t>
+            </a:r>
+          </a:p>
+          <a:p>
+            <a:pPr algn="just"/>
             <a:r>
               <a:rPr lang="pt-BR" dirty="0"/>
               <a:t>Você pode tocar notas, mudar de instrumentos e até criar sons personalizados.</a:t>
             </a:r>
           </a:p>
           <a:p>
+            <a:pPr algn="just"/>
             <a:r>
               <a:rPr lang="pt-BR" dirty="0"/>
               <a:t>Blocos de som podem ser adicionados ao seu projeto por diversão, mas também podem ajudar a identificar problemas. Por exemplo, você pode programar um som para ser executado quando determinada parte do código for concluída.</a:t>
             </a:r>
           </a:p>
           <a:p>
+            <a:pPr algn="just"/>
             <a:r>
               <a:rPr lang="pt-BR" dirty="0"/>
-              <a:t>Note: Apenas o Tocar Bipe sai do Hub. Os outros sons são executados no seu computador ou tablet.</a:t>
-            </a:r>
-          </a:p>
-        </p:txBody>
-      </p:sp>
-      <p:sp>
-        <p:nvSpPr>
-          <p:cNvPr id="4" name="Footer Placeholder 3">
-            <a:extLst>
-              <a:ext uri="{FF2B5EF4-FFF2-40B4-BE49-F238E27FC236}">
-                <a16:creationId xmlns:a16="http://schemas.microsoft.com/office/drawing/2014/main" id="{BF114D5C-5685-474C-87B7-5248A0FCF320}"/>
-              </a:ext>
-            </a:extLst>
-          </p:cNvPr>
-          <p:cNvSpPr>
-            <a:spLocks noGrp="1"/>
-          </p:cNvSpPr>
-          <p:nvPr>
-            <p:ph type="ftr" sz="quarter" idx="11"/>
-          </p:nvPr>
-        </p:nvSpPr>
-        <p:spPr/>
-        <p:txBody>
-          <a:bodyPr/>
-          <a:lstStyle/>
-          <a:p>
-            <a:r>
-              <a:rPr lang="en-US" dirty="0"/>
-              <a:t>Copyright © 2020 SPIKE Prime Lessons (primelessons.org) CC-BY-NC-SA.  (Last edit: 1/9/2020)</a:t>
+              <a:t>Note: Apenas o “Tocar Bipe” é executado diretamente no Hub. Os outros sons são executados no seu dispositivo (computador, tablet etc.)</a:t>
             </a:r>
           </a:p>
         </p:txBody>
@@ -5916,6 +6088,39 @@
           </a:prstGeom>
         </p:spPr>
       </p:pic>
+      <p:sp>
+        <p:nvSpPr>
+          <p:cNvPr id="8" name="Footer Placeholder 3">
+            <a:extLst>
+              <a:ext uri="{FF2B5EF4-FFF2-40B4-BE49-F238E27FC236}">
+                <a16:creationId xmlns:a16="http://schemas.microsoft.com/office/drawing/2014/main" id="{10B9F4BC-2402-4DBB-BAAD-0FC9A45BB78C}"/>
+              </a:ext>
+            </a:extLst>
+          </p:cNvPr>
+          <p:cNvSpPr>
+            <a:spLocks noGrp="1"/>
+          </p:cNvSpPr>
+          <p:nvPr>
+            <p:ph type="ftr" sz="quarter" idx="11"/>
+          </p:nvPr>
+        </p:nvSpPr>
+        <p:spPr>
+          <a:xfrm>
+            <a:off x="88409" y="6330493"/>
+            <a:ext cx="4870585" cy="365125"/>
+          </a:xfrm>
+        </p:spPr>
+        <p:txBody>
+          <a:bodyPr/>
+          <a:lstStyle/>
+          <a:p>
+            <a:r>
+              <a:rPr lang="en-US" dirty="0"/>
+              <a:t>Copyright © 2020 SPIKE Prime Lessons (primelessons.org) CC-BY-NC-SA.  (Last edit: 07/13/2020)</a:t>
+            </a:r>
+          </a:p>
+        </p:txBody>
+      </p:sp>
     </p:spTree>
     <p:extLst>
       <p:ext uri="{BB962C8B-B14F-4D97-AF65-F5344CB8AC3E}">
@@ -6004,49 +6209,24 @@
           </a:bodyPr>
           <a:lstStyle/>
           <a:p>
+            <a:pPr algn="just"/>
             <a:r>
               <a:rPr lang="pt-BR" dirty="0"/>
               <a:t>Você adiciona mais sons usando o menu do bloco.</a:t>
             </a:r>
           </a:p>
           <a:p>
+            <a:pPr algn="just"/>
             <a:r>
               <a:rPr lang="pt-BR" dirty="0"/>
               <a:t>Existem muitos sons no programa.</a:t>
             </a:r>
           </a:p>
           <a:p>
+            <a:pPr algn="just"/>
             <a:r>
               <a:rPr lang="pt-BR" dirty="0"/>
               <a:t>Quando você seleciona o som, também pode modifica-lo.</a:t>
-            </a:r>
-          </a:p>
-        </p:txBody>
-      </p:sp>
-      <p:sp>
-        <p:nvSpPr>
-          <p:cNvPr id="4" name="Footer Placeholder 3">
-            <a:extLst>
-              <a:ext uri="{FF2B5EF4-FFF2-40B4-BE49-F238E27FC236}">
-                <a16:creationId xmlns:a16="http://schemas.microsoft.com/office/drawing/2014/main" id="{8838CF86-116D-4FA1-ABF2-986EC84EFDC1}"/>
-              </a:ext>
-            </a:extLst>
-          </p:cNvPr>
-          <p:cNvSpPr>
-            <a:spLocks noGrp="1"/>
-          </p:cNvSpPr>
-          <p:nvPr>
-            <p:ph type="ftr" sz="quarter" idx="11"/>
-          </p:nvPr>
-        </p:nvSpPr>
-        <p:spPr/>
-        <p:txBody>
-          <a:bodyPr/>
-          <a:lstStyle/>
-          <a:p>
-            <a:r>
-              <a:rPr lang="en-US" dirty="0"/>
-              <a:t>Copyright © 2020 SPIKE Prime Lessons (primelessons.org) CC-BY-NC-SA.  (Last edit: 1/9/2020)</a:t>
             </a:r>
           </a:p>
         </p:txBody>
@@ -6281,6 +6461,39 @@
           <a:p>
             <a:pPr algn="ctr"/>
             <a:endParaRPr lang="en-US" dirty="0"/>
+          </a:p>
+        </p:txBody>
+      </p:sp>
+      <p:sp>
+        <p:nvSpPr>
+          <p:cNvPr id="14" name="Footer Placeholder 3">
+            <a:extLst>
+              <a:ext uri="{FF2B5EF4-FFF2-40B4-BE49-F238E27FC236}">
+                <a16:creationId xmlns:a16="http://schemas.microsoft.com/office/drawing/2014/main" id="{1FBFAAF6-AB01-45F7-BE03-8C4F527057E0}"/>
+              </a:ext>
+            </a:extLst>
+          </p:cNvPr>
+          <p:cNvSpPr>
+            <a:spLocks noGrp="1"/>
+          </p:cNvSpPr>
+          <p:nvPr>
+            <p:ph type="ftr" sz="quarter" idx="11"/>
+          </p:nvPr>
+        </p:nvSpPr>
+        <p:spPr>
+          <a:xfrm>
+            <a:off x="88409" y="6330493"/>
+            <a:ext cx="4870585" cy="365125"/>
+          </a:xfrm>
+        </p:spPr>
+        <p:txBody>
+          <a:bodyPr/>
+          <a:lstStyle/>
+          <a:p>
+            <a:r>
+              <a:rPr lang="en-US" dirty="0"/>
+              <a:t>Copyright © 2020 SPIKE Prime Lessons (primelessons.org) CC-BY-NC-SA.  (Last edit: 07/13/2020)</a:t>
+            </a:r>
           </a:p>
         </p:txBody>
       </p:sp>
@@ -6374,34 +6587,6 @@
       </p:sp>
       <p:sp>
         <p:nvSpPr>
-          <p:cNvPr id="4" name="Footer Placeholder 3">
-            <a:extLst>
-              <a:ext uri="{FF2B5EF4-FFF2-40B4-BE49-F238E27FC236}">
-                <a16:creationId xmlns:a16="http://schemas.microsoft.com/office/drawing/2014/main" id="{A07C6A62-9AE4-41C8-8054-EA54B5F409AF}"/>
-              </a:ext>
-            </a:extLst>
-          </p:cNvPr>
-          <p:cNvSpPr>
-            <a:spLocks noGrp="1"/>
-          </p:cNvSpPr>
-          <p:nvPr>
-            <p:ph type="ftr" sz="quarter" idx="11"/>
-          </p:nvPr>
-        </p:nvSpPr>
-        <p:spPr/>
-        <p:txBody>
-          <a:bodyPr/>
-          <a:lstStyle/>
-          <a:p>
-            <a:r>
-              <a:rPr lang="en-US" dirty="0"/>
-              <a:t>Copyright © 2020 SPIKE Prime Lessons (primelessons.org) CC-BY-NC-SA.  (Last edit: 1/9/2020)</a:t>
-            </a:r>
-          </a:p>
-        </p:txBody>
-      </p:sp>
-      <p:sp>
-        <p:nvSpPr>
           <p:cNvPr id="5" name="Slide Number Placeholder 4">
             <a:extLst>
               <a:ext uri="{FF2B5EF4-FFF2-40B4-BE49-F238E27FC236}">
@@ -6630,6 +6815,39 @@
           <a:p>
             <a:pPr algn="ctr"/>
             <a:endParaRPr lang="en-US" dirty="0"/>
+          </a:p>
+        </p:txBody>
+      </p:sp>
+      <p:sp>
+        <p:nvSpPr>
+          <p:cNvPr id="11" name="Footer Placeholder 3">
+            <a:extLst>
+              <a:ext uri="{FF2B5EF4-FFF2-40B4-BE49-F238E27FC236}">
+                <a16:creationId xmlns:a16="http://schemas.microsoft.com/office/drawing/2014/main" id="{FDF2DC95-B1CC-4647-BE8B-BBC03C3B524E}"/>
+              </a:ext>
+            </a:extLst>
+          </p:cNvPr>
+          <p:cNvSpPr>
+            <a:spLocks noGrp="1"/>
+          </p:cNvSpPr>
+          <p:nvPr>
+            <p:ph type="ftr" sz="quarter" idx="11"/>
+          </p:nvPr>
+        </p:nvSpPr>
+        <p:spPr>
+          <a:xfrm>
+            <a:off x="88409" y="6330493"/>
+            <a:ext cx="4870585" cy="365125"/>
+          </a:xfrm>
+        </p:spPr>
+        <p:txBody>
+          <a:bodyPr/>
+          <a:lstStyle/>
+          <a:p>
+            <a:r>
+              <a:rPr lang="en-US" dirty="0"/>
+              <a:t>Copyright © 2020 SPIKE Prime Lessons (primelessons.org) CC-BY-NC-SA.  (Last edit: 07/13/2020)</a:t>
+            </a:r>
           </a:p>
         </p:txBody>
       </p:sp>
@@ -6741,34 +6959,6 @@
       </p:sp>
       <p:sp>
         <p:nvSpPr>
-          <p:cNvPr id="4" name="Footer Placeholder 3">
-            <a:extLst>
-              <a:ext uri="{FF2B5EF4-FFF2-40B4-BE49-F238E27FC236}">
-                <a16:creationId xmlns:a16="http://schemas.microsoft.com/office/drawing/2014/main" id="{A4F8B888-A70B-4EA2-96AF-60F41851250C}"/>
-              </a:ext>
-            </a:extLst>
-          </p:cNvPr>
-          <p:cNvSpPr>
-            <a:spLocks noGrp="1"/>
-          </p:cNvSpPr>
-          <p:nvPr>
-            <p:ph type="ftr" sz="quarter" idx="11"/>
-          </p:nvPr>
-        </p:nvSpPr>
-        <p:spPr/>
-        <p:txBody>
-          <a:bodyPr/>
-          <a:lstStyle/>
-          <a:p>
-            <a:r>
-              <a:rPr lang="en-US" dirty="0"/>
-              <a:t>Copyright © 2020 SPIKE Prime Lessons (primelessons.org) CC-BY-NC-SA.  (Last edit: 1/9/2020)</a:t>
-            </a:r>
-          </a:p>
-        </p:txBody>
-      </p:sp>
-      <p:sp>
-        <p:nvSpPr>
           <p:cNvPr id="5" name="Slide Number Placeholder 4">
             <a:extLst>
               <a:ext uri="{FF2B5EF4-FFF2-40B4-BE49-F238E27FC236}">
@@ -6886,7 +7076,23 @@
           <a:p>
             <a:r>
               <a:rPr lang="en-US" sz="1400" dirty="0"/>
-              <a:t>O instrument será o clarinet.</a:t>
+              <a:t>O </a:t>
+            </a:r>
+            <a:r>
+              <a:rPr lang="en-US" sz="1400" dirty="0" err="1"/>
+              <a:t>instrumento</a:t>
+            </a:r>
+            <a:r>
+              <a:rPr lang="en-US" sz="1400" dirty="0"/>
+              <a:t> será o </a:t>
+            </a:r>
+            <a:r>
+              <a:rPr lang="en-US" sz="1400" dirty="0" err="1"/>
+              <a:t>Clarinete</a:t>
+            </a:r>
+            <a:r>
+              <a:rPr lang="en-US" sz="1400" dirty="0"/>
+              <a:t>.</a:t>
             </a:r>
           </a:p>
         </p:txBody>
@@ -6957,6 +7163,39 @@
             <a:r>
               <a:rPr lang="en-US" sz="1400" dirty="0"/>
               <a:t>Música é tocada 4 vezes, usando o bloco Repete</a:t>
+            </a:r>
+          </a:p>
+        </p:txBody>
+      </p:sp>
+      <p:sp>
+        <p:nvSpPr>
+          <p:cNvPr id="12" name="Footer Placeholder 3">
+            <a:extLst>
+              <a:ext uri="{FF2B5EF4-FFF2-40B4-BE49-F238E27FC236}">
+                <a16:creationId xmlns:a16="http://schemas.microsoft.com/office/drawing/2014/main" id="{D5669182-0D0F-42D7-9704-B13FDCA7300F}"/>
+              </a:ext>
+            </a:extLst>
+          </p:cNvPr>
+          <p:cNvSpPr>
+            <a:spLocks noGrp="1"/>
+          </p:cNvSpPr>
+          <p:nvPr>
+            <p:ph type="ftr" sz="quarter" idx="11"/>
+          </p:nvPr>
+        </p:nvSpPr>
+        <p:spPr>
+          <a:xfrm>
+            <a:off x="88409" y="6330493"/>
+            <a:ext cx="4870585" cy="365125"/>
+          </a:xfrm>
+        </p:spPr>
+        <p:txBody>
+          <a:bodyPr/>
+          <a:lstStyle/>
+          <a:p>
+            <a:r>
+              <a:rPr lang="en-US" dirty="0"/>
+              <a:t>Copyright © 2020 SPIKE Prime Lessons (primelessons.org) CC-BY-NC-SA.  (Last edit: 07/13/2020)</a:t>
             </a:r>
           </a:p>
         </p:txBody>
@@ -7094,7 +7333,15 @@
           <a:p>
             <a:r>
               <a:rPr lang="pt-BR" sz="1600" dirty="0"/>
-              <a:t>Traduzido para o português por Lucas Colonna</a:t>
+              <a:t>Traduzido para o português por Lucas </a:t>
+            </a:r>
+            <a:r>
+              <a:rPr lang="pt-BR" sz="1600" dirty="0" err="1"/>
+              <a:t>Colonna</a:t>
+            </a:r>
+            <a:r>
+              <a:rPr lang="pt-BR" sz="1600" dirty="0"/>
+              <a:t> e revisado por Anderson Harayashiki Moreira</a:t>
             </a:r>
           </a:p>
           <a:p>
@@ -7119,7 +7366,7 @@
           <a:p>
             <a:r>
               <a:rPr lang="en-US" dirty="0"/>
-              <a:t>Copyright © 2020 SPIKE Prime Lessons (primelessons.org) CC-BY-NC-SA.  (Last edit: 1/9/2020)</a:t>
+              <a:t>Copyright © 2020 SPIKE Prime Lessons (primelessons.org) CC-BY-NC-SA.  (Last edit: 07/13/2020)</a:t>
             </a:r>
           </a:p>
         </p:txBody>
@@ -7149,7 +7396,7 @@
           <a:effectLst/>
           <a:extLst>
             <a:ext uri="{91240B29-F687-4f45-9708-019B960494DF}">
-              <a14:hiddenLine xmlns:a14="http://schemas.microsoft.com/office/drawing/2010/main" xmlns="" w="9525">
+              <a14:hiddenLine xmlns="" xmlns:a14="http://schemas.microsoft.com/office/drawing/2010/main" w="9525">
                 <a:solidFill>
                   <a:schemeClr val="tx1"/>
                 </a:solidFill>
@@ -7159,7 +7406,7 @@
               </a14:hiddenLine>
             </a:ext>
             <a:ext uri="{AF507438-7753-43e0-B8FC-AC1667EBCBE1}">
-              <a14:hiddenEffects xmlns:a14="http://schemas.microsoft.com/office/drawing/2010/main" xmlns="">
+              <a14:hiddenEffects xmlns="" xmlns:a14="http://schemas.microsoft.com/office/drawing/2010/main">
                 <a:effectLst>
                   <a:outerShdw dist="35921" dir="2700000" algn="ctr" rotWithShape="0">
                     <a:schemeClr val="bg2"/>
@@ -7500,7 +7747,7 @@
           <a:noFill/>
           <a:extLst>
             <a:ext uri="{909E8E84-426E-40dd-AFC4-6F175D3DCCD1}">
-              <a14:hiddenFill xmlns:a14="http://schemas.microsoft.com/office/drawing/2010/main" xmlns="">
+              <a14:hiddenFill xmlns="" xmlns:a14="http://schemas.microsoft.com/office/drawing/2010/main">
                 <a:solidFill>
                   <a:srgbClr val="FFFFFF"/>
                 </a:solidFill>
